--- a/Agus Mistiwan Final Persentation.pptx
+++ b/Agus Mistiwan Final Persentation.pptx
@@ -6,7 +6,7 @@
     <p:sldMasterId id="2147483661" r:id="rId5"/>
   </p:sldMasterIdLst>
   <p:notesMasterIdLst>
-    <p:notesMasterId r:id="rId17"/>
+    <p:notesMasterId r:id="rId18"/>
   </p:notesMasterIdLst>
   <p:sldIdLst>
     <p:sldId id="261" r:id="rId6"/>
@@ -19,7 +19,8 @@
     <p:sldId id="322" r:id="rId13"/>
     <p:sldId id="319" r:id="rId14"/>
     <p:sldId id="323" r:id="rId15"/>
-    <p:sldId id="324" r:id="rId16"/>
+    <p:sldId id="325" r:id="rId16"/>
+    <p:sldId id="324" r:id="rId17"/>
   </p:sldIdLst>
   <p:sldSz cx="6858000" cy="5143500"/>
   <p:notesSz cx="6858000" cy="9144000"/>
@@ -135,6 +136,10 @@
     </p:ext>
   </p:extLst>
 </p:presentation>
+</file>
+
+<file path=ppt/revisionInfo.xml><?xml version="1.0" encoding="utf-8"?>
+<p1510:revInfo xmlns:a="http://schemas.openxmlformats.org/drawingml/2006/main" xmlns:r="http://schemas.openxmlformats.org/officeDocument/2006/relationships" xmlns:p1510="http://schemas.microsoft.com/office/powerpoint/2015/10/main"/>
 </file>
 
 <file path=ppt/notesMasters/notesMaster1.xml><?xml version="1.0" encoding="utf-8"?>
@@ -5345,6 +5350,101 @@
       </p:grpSpPr>
       <p:sp>
         <p:nvSpPr>
+          <p:cNvPr id="2" name="Title 1"/>
+          <p:cNvSpPr>
+            <a:spLocks noGrp="1"/>
+          </p:cNvSpPr>
+          <p:nvPr>
+            <p:ph type="title"/>
+          </p:nvPr>
+        </p:nvSpPr>
+        <p:spPr/>
+        <p:txBody>
+          <a:bodyPr/>
+          <a:lstStyle/>
+          <a:p>
+            <a:r>
+              <a:rPr lang="id-ID" dirty="0"/>
+              <a:t>Conclusion</a:t>
+            </a:r>
+          </a:p>
+        </p:txBody>
+      </p:sp>
+      <p:sp>
+        <p:nvSpPr>
+          <p:cNvPr id="3" name="Content Placeholder 2"/>
+          <p:cNvSpPr>
+            <a:spLocks noGrp="1"/>
+          </p:cNvSpPr>
+          <p:nvPr>
+            <p:ph idx="1"/>
+          </p:nvPr>
+        </p:nvSpPr>
+        <p:spPr/>
+        <p:txBody>
+          <a:bodyPr/>
+          <a:lstStyle/>
+          <a:p>
+            <a:r>
+              <a:rPr lang="id-ID" dirty="0"/>
+              <a:t>Learning and practice continuously</a:t>
+            </a:r>
+          </a:p>
+          <a:p>
+            <a:endParaRPr lang="id-ID" dirty="0"/>
+          </a:p>
+          <a:p>
+            <a:r>
+              <a:rPr lang="id-ID" dirty="0"/>
+              <a:t>Communication</a:t>
+            </a:r>
+          </a:p>
+          <a:p>
+            <a:endParaRPr lang="id-ID" dirty="0"/>
+          </a:p>
+          <a:p>
+            <a:endParaRPr lang="id-ID" dirty="0"/>
+          </a:p>
+          <a:p>
+            <a:endParaRPr lang="id-ID" dirty="0"/>
+          </a:p>
+          <a:p>
+            <a:endParaRPr lang="id-ID" dirty="0"/>
+          </a:p>
+        </p:txBody>
+      </p:sp>
+    </p:spTree>
+    <p:extLst>
+      <p:ext uri="{BB962C8B-B14F-4D97-AF65-F5344CB8AC3E}">
+        <p14:creationId xmlns:p14="http://schemas.microsoft.com/office/powerpoint/2010/main" val="509794696"/>
+      </p:ext>
+    </p:extLst>
+  </p:cSld>
+  <p:clrMapOvr>
+    <a:masterClrMapping/>
+  </p:clrMapOvr>
+</p:sld>
+</file>
+
+<file path=ppt/slides/slide12.xml><?xml version="1.0" encoding="utf-8"?>
+<p:sld xmlns:a="http://schemas.openxmlformats.org/drawingml/2006/main" xmlns:r="http://schemas.openxmlformats.org/officeDocument/2006/relationships" xmlns:p="http://schemas.openxmlformats.org/presentationml/2006/main">
+  <p:cSld>
+    <p:spTree>
+      <p:nvGrpSpPr>
+        <p:cNvPr id="1" name=""/>
+        <p:cNvGrpSpPr/>
+        <p:nvPr/>
+      </p:nvGrpSpPr>
+      <p:grpSpPr>
+        <a:xfrm>
+          <a:off x="0" y="0"/>
+          <a:ext cx="0" cy="0"/>
+          <a:chOff x="0" y="0"/>
+          <a:chExt cx="0" cy="0"/>
+        </a:xfrm>
+      </p:grpSpPr>
+      <p:sp>
+        <p:nvSpPr>
           <p:cNvPr id="4" name="Text Placeholder 3"/>
           <p:cNvSpPr>
             <a:spLocks noGrp="1"/>
@@ -5499,7 +5599,17 @@
             </a:pPr>
             <a:r>
               <a:rPr lang="id-ID" dirty="0"/>
-              <a:t>Search and Filter Employee</a:t>
+              <a:t>Search Employee</a:t>
+            </a:r>
+          </a:p>
+          <a:p>
+            <a:pPr lvl="1">
+              <a:buFont typeface="Arial" panose="020B0604020202020204" pitchFamily="34" charset="0"/>
+              <a:buChar char="•"/>
+            </a:pPr>
+            <a:r>
+              <a:rPr lang="id-ID" dirty="0"/>
+              <a:t>Filter Employee</a:t>
             </a:r>
             <a:endParaRPr lang="en-US" dirty="0"/>
           </a:p>
@@ -7094,12 +7204,9 @@
 </file>
 
 <file path=customXml/item1.xml><?xml version="1.0" encoding="utf-8"?>
-<?mso-contentType ?>
-<FormTemplates xmlns="http://schemas.microsoft.com/sharepoint/v3/contenttype/forms">
-  <Display>DocumentLibraryForm</Display>
-  <Edit>DocumentLibraryForm</Edit>
-  <New>DocumentLibraryForm</New>
-</FormTemplates>
+<p:properties xmlns:p="http://schemas.microsoft.com/office/2006/metadata/properties" xmlns:xsi="http://www.w3.org/2001/XMLSchema-instance" xmlns:pc="http://schemas.microsoft.com/office/infopath/2007/PartnerControls">
+  <documentManagement/>
+</p:properties>
 </file>
 
 <file path=customXml/item2.xml><?xml version="1.0" encoding="utf-8"?>
@@ -7217,15 +7324,25 @@
 </file>
 
 <file path=customXml/item3.xml><?xml version="1.0" encoding="utf-8"?>
-<p:properties xmlns:p="http://schemas.microsoft.com/office/2006/metadata/properties" xmlns:xsi="http://www.w3.org/2001/XMLSchema-instance" xmlns:pc="http://schemas.microsoft.com/office/infopath/2007/PartnerControls">
-  <documentManagement/>
-</p:properties>
+<?mso-contentType ?>
+<FormTemplates xmlns="http://schemas.microsoft.com/sharepoint/v3/contenttype/forms">
+  <Display>DocumentLibraryForm</Display>
+  <Edit>DocumentLibraryForm</Edit>
+  <New>DocumentLibraryForm</New>
+</FormTemplates>
 </file>
 
 <file path=customXml/itemProps1.xml><?xml version="1.0" encoding="utf-8"?>
-<ds:datastoreItem xmlns:ds="http://schemas.openxmlformats.org/officeDocument/2006/customXml" ds:itemID="{20BA5E38-98EF-4DEF-BDC4-B09149E84C28}">
+<ds:datastoreItem xmlns:ds="http://schemas.openxmlformats.org/officeDocument/2006/customXml" ds:itemID="{47BB436E-3686-4DDA-96D2-577DE22E6F36}">
   <ds:schemaRefs>
-    <ds:schemaRef ds:uri="http://schemas.microsoft.com/sharepoint/v3/contenttype/forms"/>
+    <ds:schemaRef ds:uri="http://schemas.microsoft.com/office/infopath/2007/PartnerControls"/>
+    <ds:schemaRef ds:uri="http://purl.org/dc/elements/1.1/"/>
+    <ds:schemaRef ds:uri="http://schemas.microsoft.com/office/2006/metadata/properties"/>
+    <ds:schemaRef ds:uri="http://schemas.microsoft.com/office/2006/documentManagement/types"/>
+    <ds:schemaRef ds:uri="http://purl.org/dc/terms/"/>
+    <ds:schemaRef ds:uri="http://schemas.openxmlformats.org/package/2006/metadata/core-properties"/>
+    <ds:schemaRef ds:uri="http://purl.org/dc/dcmitype/"/>
+    <ds:schemaRef ds:uri="http://www.w3.org/XML/1998/namespace"/>
   </ds:schemaRefs>
 </ds:datastoreItem>
 </file>
@@ -7247,16 +7364,9 @@
 </file>
 
 <file path=customXml/itemProps3.xml><?xml version="1.0" encoding="utf-8"?>
-<ds:datastoreItem xmlns:ds="http://schemas.openxmlformats.org/officeDocument/2006/customXml" ds:itemID="{47BB436E-3686-4DDA-96D2-577DE22E6F36}">
+<ds:datastoreItem xmlns:ds="http://schemas.openxmlformats.org/officeDocument/2006/customXml" ds:itemID="{20BA5E38-98EF-4DEF-BDC4-B09149E84C28}">
   <ds:schemaRefs>
-    <ds:schemaRef ds:uri="http://schemas.microsoft.com/office/infopath/2007/PartnerControls"/>
-    <ds:schemaRef ds:uri="http://purl.org/dc/elements/1.1/"/>
-    <ds:schemaRef ds:uri="http://schemas.microsoft.com/office/2006/metadata/properties"/>
-    <ds:schemaRef ds:uri="http://schemas.microsoft.com/office/2006/documentManagement/types"/>
-    <ds:schemaRef ds:uri="http://purl.org/dc/terms/"/>
-    <ds:schemaRef ds:uri="http://schemas.openxmlformats.org/package/2006/metadata/core-properties"/>
-    <ds:schemaRef ds:uri="http://purl.org/dc/dcmitype/"/>
-    <ds:schemaRef ds:uri="http://www.w3.org/XML/1998/namespace"/>
+    <ds:schemaRef ds:uri="http://schemas.microsoft.com/sharepoint/v3/contenttype/forms"/>
   </ds:schemaRefs>
 </ds:datastoreItem>
 </file>